--- a/slides/GED_Python_Workgroup_2018_01_23.pptx
+++ b/slides/GED_Python_Workgroup_2018_01_23.pptx
@@ -255,7 +255,7 @@
           <a:p>
             <a:fld id="{008BD8B9-5B15-4C0C-9B4A-FA7DA058E908}" type="datetimeFigureOut">
               <a:rPr lang="en-US" smtClean="0"/>
-              <a:t>1/4/2018</a:t>
+              <a:t>1/11/2018</a:t>
             </a:fld>
             <a:endParaRPr lang="en-US"/>
           </a:p>
@@ -423,7 +423,7 @@
           <a:p>
             <a:fld id="{008BD8B9-5B15-4C0C-9B4A-FA7DA058E908}" type="datetimeFigureOut">
               <a:rPr lang="en-US" smtClean="0"/>
-              <a:t>1/4/2018</a:t>
+              <a:t>1/11/2018</a:t>
             </a:fld>
             <a:endParaRPr lang="en-US"/>
           </a:p>
@@ -601,7 +601,7 @@
           <a:p>
             <a:fld id="{008BD8B9-5B15-4C0C-9B4A-FA7DA058E908}" type="datetimeFigureOut">
               <a:rPr lang="en-US" smtClean="0"/>
-              <a:t>1/4/2018</a:t>
+              <a:t>1/11/2018</a:t>
             </a:fld>
             <a:endParaRPr lang="en-US"/>
           </a:p>
@@ -769,7 +769,7 @@
           <a:p>
             <a:fld id="{008BD8B9-5B15-4C0C-9B4A-FA7DA058E908}" type="datetimeFigureOut">
               <a:rPr lang="en-US" smtClean="0"/>
-              <a:t>1/4/2018</a:t>
+              <a:t>1/11/2018</a:t>
             </a:fld>
             <a:endParaRPr lang="en-US"/>
           </a:p>
@@ -1014,7 +1014,7 @@
           <a:p>
             <a:fld id="{008BD8B9-5B15-4C0C-9B4A-FA7DA058E908}" type="datetimeFigureOut">
               <a:rPr lang="en-US" smtClean="0"/>
-              <a:t>1/4/2018</a:t>
+              <a:t>1/11/2018</a:t>
             </a:fld>
             <a:endParaRPr lang="en-US"/>
           </a:p>
@@ -1243,7 +1243,7 @@
           <a:p>
             <a:fld id="{008BD8B9-5B15-4C0C-9B4A-FA7DA058E908}" type="datetimeFigureOut">
               <a:rPr lang="en-US" smtClean="0"/>
-              <a:t>1/4/2018</a:t>
+              <a:t>1/11/2018</a:t>
             </a:fld>
             <a:endParaRPr lang="en-US"/>
           </a:p>
@@ -1607,7 +1607,7 @@
           <a:p>
             <a:fld id="{008BD8B9-5B15-4C0C-9B4A-FA7DA058E908}" type="datetimeFigureOut">
               <a:rPr lang="en-US" smtClean="0"/>
-              <a:t>1/4/2018</a:t>
+              <a:t>1/11/2018</a:t>
             </a:fld>
             <a:endParaRPr lang="en-US"/>
           </a:p>
@@ -1724,7 +1724,7 @@
           <a:p>
             <a:fld id="{008BD8B9-5B15-4C0C-9B4A-FA7DA058E908}" type="datetimeFigureOut">
               <a:rPr lang="en-US" smtClean="0"/>
-              <a:t>1/4/2018</a:t>
+              <a:t>1/11/2018</a:t>
             </a:fld>
             <a:endParaRPr lang="en-US"/>
           </a:p>
@@ -1819,7 +1819,7 @@
           <a:p>
             <a:fld id="{008BD8B9-5B15-4C0C-9B4A-FA7DA058E908}" type="datetimeFigureOut">
               <a:rPr lang="en-US" smtClean="0"/>
-              <a:t>1/4/2018</a:t>
+              <a:t>1/11/2018</a:t>
             </a:fld>
             <a:endParaRPr lang="en-US"/>
           </a:p>
@@ -2094,7 +2094,7 @@
           <a:p>
             <a:fld id="{008BD8B9-5B15-4C0C-9B4A-FA7DA058E908}" type="datetimeFigureOut">
               <a:rPr lang="en-US" smtClean="0"/>
-              <a:t>1/4/2018</a:t>
+              <a:t>1/11/2018</a:t>
             </a:fld>
             <a:endParaRPr lang="en-US"/>
           </a:p>
@@ -2346,7 +2346,7 @@
           <a:p>
             <a:fld id="{008BD8B9-5B15-4C0C-9B4A-FA7DA058E908}" type="datetimeFigureOut">
               <a:rPr lang="en-US" smtClean="0"/>
-              <a:t>1/4/2018</a:t>
+              <a:t>1/11/2018</a:t>
             </a:fld>
             <a:endParaRPr lang="en-US"/>
           </a:p>
@@ -2557,7 +2557,7 @@
           <a:p>
             <a:fld id="{008BD8B9-5B15-4C0C-9B4A-FA7DA058E908}" type="datetimeFigureOut">
               <a:rPr lang="en-US" smtClean="0"/>
-              <a:t>1/4/2018</a:t>
+              <a:t>1/11/2018</a:t>
             </a:fld>
             <a:endParaRPr lang="en-US"/>
           </a:p>
@@ -3085,7 +3085,7 @@
           <a:p>
             <a:r>
               <a:rPr lang="en-US" dirty="0"/>
-              <a:t>Lesson 5 – Lists and dictionaries</a:t>
+              <a:t>Lesson 5 – Lists and dictionaries (finish)</a:t>
             </a:r>
           </a:p>
           <a:p>
@@ -3690,7 +3690,7 @@
 </file>
 
 <file path=customXml/itemProps1.xml><?xml version="1.0" encoding="utf-8"?>
-<ds:datastoreItem xmlns:ds="http://schemas.openxmlformats.org/officeDocument/2006/customXml" ds:itemID="{627428BE-4818-4D31-8AAD-900FD13FFF33}">
+<ds:datastoreItem xmlns:ds="http://schemas.openxmlformats.org/officeDocument/2006/customXml" ds:itemID="{95DE5C01-0651-4C65-ACE3-19E0E9EA9A8C}">
   <ds:schemaRefs>
     <ds:schemaRef ds:uri="ESRI.ArcGIS.Mapping.OfficeIntegration.PowerPointInfo"/>
   </ds:schemaRefs>

--- a/slides/GED_Python_Workgroup_2018_01_23.pptx
+++ b/slides/GED_Python_Workgroup_2018_01_23.pptx
@@ -2,13 +2,11 @@
 <file path=ppt/presentation.xml><?xml version="1.0" encoding="utf-8"?>
 <p:presentation xmlns:a="http://schemas.openxmlformats.org/drawingml/2006/main" xmlns:r="http://schemas.openxmlformats.org/officeDocument/2006/relationships" xmlns:p="http://schemas.openxmlformats.org/presentationml/2006/main" saveSubsetFonts="1">
   <p:sldMasterIdLst>
-    <p:sldMasterId id="2147483648" r:id="rId2"/>
+    <p:sldMasterId id="2147483648" r:id="rId4"/>
   </p:sldMasterIdLst>
   <p:sldIdLst>
-    <p:sldId id="256" r:id="rId3"/>
-    <p:sldId id="258" r:id="rId4"/>
-    <p:sldId id="259" r:id="rId5"/>
-    <p:sldId id="260" r:id="rId6"/>
+    <p:sldId id="256" r:id="rId5"/>
+    <p:sldId id="258" r:id="rId6"/>
   </p:sldIdLst>
   <p:sldSz cx="12192000" cy="6858000"/>
   <p:notesSz cx="6858000" cy="9144000"/>
@@ -255,7 +253,7 @@
           <a:p>
             <a:fld id="{008BD8B9-5B15-4C0C-9B4A-FA7DA058E908}" type="datetimeFigureOut">
               <a:rPr lang="en-US" smtClean="0"/>
-              <a:t>1/11/2018</a:t>
+              <a:t>1/19/2018</a:t>
             </a:fld>
             <a:endParaRPr lang="en-US"/>
           </a:p>
@@ -423,7 +421,7 @@
           <a:p>
             <a:fld id="{008BD8B9-5B15-4C0C-9B4A-FA7DA058E908}" type="datetimeFigureOut">
               <a:rPr lang="en-US" smtClean="0"/>
-              <a:t>1/11/2018</a:t>
+              <a:t>1/19/2018</a:t>
             </a:fld>
             <a:endParaRPr lang="en-US"/>
           </a:p>
@@ -601,7 +599,7 @@
           <a:p>
             <a:fld id="{008BD8B9-5B15-4C0C-9B4A-FA7DA058E908}" type="datetimeFigureOut">
               <a:rPr lang="en-US" smtClean="0"/>
-              <a:t>1/11/2018</a:t>
+              <a:t>1/19/2018</a:t>
             </a:fld>
             <a:endParaRPr lang="en-US"/>
           </a:p>
@@ -769,7 +767,7 @@
           <a:p>
             <a:fld id="{008BD8B9-5B15-4C0C-9B4A-FA7DA058E908}" type="datetimeFigureOut">
               <a:rPr lang="en-US" smtClean="0"/>
-              <a:t>1/11/2018</a:t>
+              <a:t>1/19/2018</a:t>
             </a:fld>
             <a:endParaRPr lang="en-US"/>
           </a:p>
@@ -1014,7 +1012,7 @@
           <a:p>
             <a:fld id="{008BD8B9-5B15-4C0C-9B4A-FA7DA058E908}" type="datetimeFigureOut">
               <a:rPr lang="en-US" smtClean="0"/>
-              <a:t>1/11/2018</a:t>
+              <a:t>1/19/2018</a:t>
             </a:fld>
             <a:endParaRPr lang="en-US"/>
           </a:p>
@@ -1243,7 +1241,7 @@
           <a:p>
             <a:fld id="{008BD8B9-5B15-4C0C-9B4A-FA7DA058E908}" type="datetimeFigureOut">
               <a:rPr lang="en-US" smtClean="0"/>
-              <a:t>1/11/2018</a:t>
+              <a:t>1/19/2018</a:t>
             </a:fld>
             <a:endParaRPr lang="en-US"/>
           </a:p>
@@ -1607,7 +1605,7 @@
           <a:p>
             <a:fld id="{008BD8B9-5B15-4C0C-9B4A-FA7DA058E908}" type="datetimeFigureOut">
               <a:rPr lang="en-US" smtClean="0"/>
-              <a:t>1/11/2018</a:t>
+              <a:t>1/19/2018</a:t>
             </a:fld>
             <a:endParaRPr lang="en-US"/>
           </a:p>
@@ -1724,7 +1722,7 @@
           <a:p>
             <a:fld id="{008BD8B9-5B15-4C0C-9B4A-FA7DA058E908}" type="datetimeFigureOut">
               <a:rPr lang="en-US" smtClean="0"/>
-              <a:t>1/11/2018</a:t>
+              <a:t>1/19/2018</a:t>
             </a:fld>
             <a:endParaRPr lang="en-US"/>
           </a:p>
@@ -1819,7 +1817,7 @@
           <a:p>
             <a:fld id="{008BD8B9-5B15-4C0C-9B4A-FA7DA058E908}" type="datetimeFigureOut">
               <a:rPr lang="en-US" smtClean="0"/>
-              <a:t>1/11/2018</a:t>
+              <a:t>1/19/2018</a:t>
             </a:fld>
             <a:endParaRPr lang="en-US"/>
           </a:p>
@@ -2094,7 +2092,7 @@
           <a:p>
             <a:fld id="{008BD8B9-5B15-4C0C-9B4A-FA7DA058E908}" type="datetimeFigureOut">
               <a:rPr lang="en-US" smtClean="0"/>
-              <a:t>1/11/2018</a:t>
+              <a:t>1/19/2018</a:t>
             </a:fld>
             <a:endParaRPr lang="en-US"/>
           </a:p>
@@ -2346,7 +2344,7 @@
           <a:p>
             <a:fld id="{008BD8B9-5B15-4C0C-9B4A-FA7DA058E908}" type="datetimeFigureOut">
               <a:rPr lang="en-US" smtClean="0"/>
-              <a:t>1/11/2018</a:t>
+              <a:t>1/19/2018</a:t>
             </a:fld>
             <a:endParaRPr lang="en-US"/>
           </a:p>
@@ -2557,7 +2555,7 @@
           <a:p>
             <a:fld id="{008BD8B9-5B15-4C0C-9B4A-FA7DA058E908}" type="datetimeFigureOut">
               <a:rPr lang="en-US" smtClean="0"/>
-              <a:t>1/11/2018</a:t>
+              <a:t>1/19/2018</a:t>
             </a:fld>
             <a:endParaRPr lang="en-US"/>
           </a:p>
@@ -3080,7 +3078,9 @@
         </p:nvSpPr>
         <p:spPr/>
         <p:txBody>
-          <a:bodyPr/>
+          <a:bodyPr>
+            <a:normAutofit fontScale="85000" lnSpcReduction="20000"/>
+          </a:bodyPr>
           <a:lstStyle/>
           <a:p>
             <a:r>
@@ -3091,7 +3091,7 @@
           <a:p>
             <a:r>
               <a:rPr lang="en-US" dirty="0"/>
-              <a:t>Lesson 6 – “Student becomes the Teacher”</a:t>
+              <a:t>Lesson 6 – “Student becomes the Teacher” (practice)</a:t>
             </a:r>
           </a:p>
           <a:p>
@@ -3101,13 +3101,80 @@
             </a:r>
           </a:p>
           <a:p>
+            <a:pPr lvl="1"/>
+            <a:r>
+              <a:rPr lang="en-US" dirty="0"/>
+              <a:t>Iterators</a:t>
+            </a:r>
+          </a:p>
+          <a:p>
+            <a:pPr lvl="1"/>
+            <a:r>
+              <a:rPr lang="en-US" dirty="0"/>
+              <a:t>range()</a:t>
+            </a:r>
+          </a:p>
+          <a:p>
+            <a:pPr lvl="1"/>
+            <a:r>
+              <a:rPr lang="en-US" dirty="0"/>
+              <a:t>Practice</a:t>
+            </a:r>
+          </a:p>
+          <a:p>
             <a:r>
               <a:rPr lang="en-US" dirty="0"/>
               <a:t>Lesson 8 – Loops</a:t>
             </a:r>
           </a:p>
           <a:p>
-            <a:endParaRPr lang="en-US" dirty="0"/>
+            <a:pPr lvl="1"/>
+            <a:r>
+              <a:rPr lang="en-US" dirty="0"/>
+              <a:t>break</a:t>
+            </a:r>
+          </a:p>
+          <a:p>
+            <a:pPr lvl="1"/>
+            <a:r>
+              <a:rPr lang="en-US" dirty="0"/>
+              <a:t>while</a:t>
+            </a:r>
+          </a:p>
+          <a:p>
+            <a:pPr lvl="1"/>
+            <a:r>
+              <a:rPr lang="en-US" dirty="0"/>
+              <a:t>practice</a:t>
+            </a:r>
+          </a:p>
+          <a:p>
+            <a:pPr lvl="1"/>
+            <a:r>
+              <a:rPr lang="en-US" dirty="0"/>
+              <a:t>enumerate</a:t>
+            </a:r>
+          </a:p>
+          <a:p>
+            <a:pPr lvl="1"/>
+            <a:r>
+              <a:rPr lang="en-US" dirty="0"/>
+              <a:t>index</a:t>
+            </a:r>
+          </a:p>
+          <a:p>
+            <a:pPr lvl="1"/>
+            <a:r>
+              <a:rPr lang="en-US" dirty="0"/>
+              <a:t>zip</a:t>
+            </a:r>
+          </a:p>
+          <a:p>
+            <a:pPr lvl="1"/>
+            <a:r>
+              <a:rPr lang="en-US" dirty="0"/>
+              <a:t>Practice</a:t>
+            </a:r>
           </a:p>
         </p:txBody>
       </p:sp>
@@ -3115,269 +3182,6 @@
     <p:extLst>
       <p:ext uri="{BB962C8B-B14F-4D97-AF65-F5344CB8AC3E}">
         <p14:creationId xmlns:p14="http://schemas.microsoft.com/office/powerpoint/2010/main" val="358517798"/>
-      </p:ext>
-    </p:extLst>
-  </p:cSld>
-  <p:clrMapOvr>
-    <a:masterClrMapping/>
-  </p:clrMapOvr>
-</p:sld>
-</file>
-
-<file path=ppt/slides/slide3.xml><?xml version="1.0" encoding="utf-8"?>
-<p:sld xmlns:a="http://schemas.openxmlformats.org/drawingml/2006/main" xmlns:r="http://schemas.openxmlformats.org/officeDocument/2006/relationships" xmlns:p="http://schemas.openxmlformats.org/presentationml/2006/main">
-  <p:cSld>
-    <p:spTree>
-      <p:nvGrpSpPr>
-        <p:cNvPr id="1" name=""/>
-        <p:cNvGrpSpPr/>
-        <p:nvPr/>
-      </p:nvGrpSpPr>
-      <p:grpSpPr>
-        <a:xfrm>
-          <a:off x="0" y="0"/>
-          <a:ext cx="0" cy="0"/>
-          <a:chOff x="0" y="0"/>
-          <a:chExt cx="0" cy="0"/>
-        </a:xfrm>
-      </p:grpSpPr>
-      <p:sp>
-        <p:nvSpPr>
-          <p:cNvPr id="2" name="Title 1"/>
-          <p:cNvSpPr>
-            <a:spLocks noGrp="1"/>
-          </p:cNvSpPr>
-          <p:nvPr>
-            <p:ph type="title"/>
-          </p:nvPr>
-        </p:nvSpPr>
-        <p:spPr/>
-        <p:txBody>
-          <a:bodyPr/>
-          <a:lstStyle/>
-          <a:p>
-            <a:r>
-              <a:rPr lang="en-US" dirty="0"/>
-              <a:t>Workgroup 4</a:t>
-            </a:r>
-          </a:p>
-        </p:txBody>
-      </p:sp>
-      <p:sp>
-        <p:nvSpPr>
-          <p:cNvPr id="3" name="Content Placeholder 2"/>
-          <p:cNvSpPr>
-            <a:spLocks noGrp="1"/>
-          </p:cNvSpPr>
-          <p:nvPr>
-            <p:ph idx="1"/>
-          </p:nvPr>
-        </p:nvSpPr>
-        <p:spPr/>
-        <p:txBody>
-          <a:bodyPr/>
-          <a:lstStyle/>
-          <a:p>
-            <a:r>
-              <a:rPr lang="en-US" dirty="0"/>
-              <a:t>Lesson 9 – Statistics</a:t>
-            </a:r>
-          </a:p>
-          <a:p>
-            <a:r>
-              <a:rPr lang="en-US" dirty="0"/>
-              <a:t>Lesson 10 – Advanced Topics</a:t>
-            </a:r>
-          </a:p>
-          <a:p>
-            <a:r>
-              <a:rPr lang="en-US" dirty="0"/>
-              <a:t>Lesson 11 – Introduction to Classes (object oriented programing)</a:t>
-            </a:r>
-          </a:p>
-          <a:p>
-            <a:r>
-              <a:rPr lang="en-US" dirty="0"/>
-              <a:t>Lesson 12 – File </a:t>
-            </a:r>
-            <a:r>
-              <a:rPr lang="en-US" dirty="0" err="1"/>
-              <a:t>Input/Output</a:t>
-            </a:r>
-            <a:endParaRPr lang="en-US" dirty="0"/>
-          </a:p>
-          <a:p>
-            <a:endParaRPr lang="en-US" dirty="0"/>
-          </a:p>
-        </p:txBody>
-      </p:sp>
-    </p:spTree>
-    <p:extLst>
-      <p:ext uri="{BB962C8B-B14F-4D97-AF65-F5344CB8AC3E}">
-        <p14:creationId xmlns:p14="http://schemas.microsoft.com/office/powerpoint/2010/main" val="1670127247"/>
-      </p:ext>
-    </p:extLst>
-  </p:cSld>
-  <p:clrMapOvr>
-    <a:masterClrMapping/>
-  </p:clrMapOvr>
-</p:sld>
-</file>
-
-<file path=ppt/slides/slide4.xml><?xml version="1.0" encoding="utf-8"?>
-<p:sld xmlns:a="http://schemas.openxmlformats.org/drawingml/2006/main" xmlns:r="http://schemas.openxmlformats.org/officeDocument/2006/relationships" xmlns:p="http://schemas.openxmlformats.org/presentationml/2006/main">
-  <p:cSld>
-    <p:spTree>
-      <p:nvGrpSpPr>
-        <p:cNvPr id="1" name=""/>
-        <p:cNvGrpSpPr/>
-        <p:nvPr/>
-      </p:nvGrpSpPr>
-      <p:grpSpPr>
-        <a:xfrm>
-          <a:off x="0" y="0"/>
-          <a:ext cx="0" cy="0"/>
-          <a:chOff x="0" y="0"/>
-          <a:chExt cx="0" cy="0"/>
-        </a:xfrm>
-      </p:grpSpPr>
-      <p:sp>
-        <p:nvSpPr>
-          <p:cNvPr id="2" name="Title 1"/>
-          <p:cNvSpPr>
-            <a:spLocks noGrp="1"/>
-          </p:cNvSpPr>
-          <p:nvPr>
-            <p:ph type="title"/>
-          </p:nvPr>
-        </p:nvSpPr>
-        <p:spPr/>
-        <p:txBody>
-          <a:bodyPr/>
-          <a:lstStyle/>
-          <a:p>
-            <a:r>
-              <a:rPr lang="en-US" dirty="0"/>
-              <a:t>Workgroup 5</a:t>
-            </a:r>
-          </a:p>
-        </p:txBody>
-      </p:sp>
-      <p:sp>
-        <p:nvSpPr>
-          <p:cNvPr id="3" name="Content Placeholder 2"/>
-          <p:cNvSpPr>
-            <a:spLocks noGrp="1"/>
-          </p:cNvSpPr>
-          <p:nvPr>
-            <p:ph idx="1"/>
-          </p:nvPr>
-        </p:nvSpPr>
-        <p:spPr/>
-        <p:txBody>
-          <a:bodyPr>
-            <a:normAutofit fontScale="62500" lnSpcReduction="20000"/>
-          </a:bodyPr>
-          <a:lstStyle/>
-          <a:p>
-            <a:r>
-              <a:rPr lang="en-US" dirty="0"/>
-              <a:t>List manipulation (zip, set, split, etc)</a:t>
-            </a:r>
-          </a:p>
-          <a:p>
-            <a:r>
-              <a:rPr lang="en-US" dirty="0"/>
-              <a:t>cursors</a:t>
-            </a:r>
-          </a:p>
-          <a:p>
-            <a:r>
-              <a:rPr lang="en-US" dirty="0"/>
-              <a:t>geometry objects</a:t>
-            </a:r>
-          </a:p>
-          <a:p>
-            <a:r>
-              <a:rPr lang="en-US" dirty="0" err="1"/>
-              <a:t>numpy</a:t>
-            </a:r>
-            <a:endParaRPr lang="en-US" dirty="0"/>
-          </a:p>
-          <a:p>
-            <a:r>
-              <a:rPr lang="en-US" dirty="0"/>
-              <a:t>pandas</a:t>
-            </a:r>
-          </a:p>
-          <a:p>
-            <a:r>
-              <a:rPr lang="en-US" dirty="0" err="1"/>
-              <a:t>scipy</a:t>
-            </a:r>
-            <a:endParaRPr lang="en-US" dirty="0"/>
-          </a:p>
-          <a:p>
-            <a:r>
-              <a:rPr lang="en-US" dirty="0"/>
-              <a:t>.</a:t>
-            </a:r>
-            <a:r>
-              <a:rPr lang="en-US" dirty="0" err="1"/>
-              <a:t>pyt</a:t>
-            </a:r>
-            <a:r>
-              <a:rPr lang="en-US" dirty="0"/>
-              <a:t> tools</a:t>
-            </a:r>
-          </a:p>
-          <a:p>
-            <a:r>
-              <a:rPr lang="en-US" dirty="0" err="1"/>
-              <a:t>arcpy.mapping</a:t>
-            </a:r>
-            <a:endParaRPr lang="en-US" dirty="0"/>
-          </a:p>
-          <a:p>
-            <a:r>
-              <a:rPr lang="en-US" dirty="0" err="1"/>
-              <a:t>qgis</a:t>
-            </a:r>
-            <a:endParaRPr lang="en-US" dirty="0"/>
-          </a:p>
-          <a:p>
-            <a:r>
-              <a:rPr lang="en-US" dirty="0"/>
-              <a:t>HTTPS requests</a:t>
-            </a:r>
-          </a:p>
-          <a:p>
-            <a:r>
-              <a:rPr lang="en-US" dirty="0"/>
-              <a:t>web map services</a:t>
-            </a:r>
-          </a:p>
-          <a:p>
-            <a:r>
-              <a:rPr lang="en-US" dirty="0"/>
-              <a:t>web scraping</a:t>
-            </a:r>
-          </a:p>
-          <a:p>
-            <a:r>
-              <a:rPr lang="en-US" dirty="0"/>
-              <a:t>Other topics of interest?</a:t>
-            </a:r>
-          </a:p>
-          <a:p>
-            <a:endParaRPr lang="en-US" dirty="0"/>
-          </a:p>
-        </p:txBody>
-      </p:sp>
-    </p:spTree>
-    <p:extLst>
-      <p:ext uri="{BB962C8B-B14F-4D97-AF65-F5344CB8AC3E}">
-        <p14:creationId xmlns:p14="http://schemas.microsoft.com/office/powerpoint/2010/main" val="999315915"/>
       </p:ext>
     </p:extLst>
   </p:cSld>
@@ -3689,8 +3493,38 @@
 </EsriMapsInfo>
 </file>
 
+<file path=customXml/item2.xml><?xml version="1.0" encoding="utf-8"?>
+<EsriMapsInfo xmlns="ESRI.ArcGIS.Mapping.OfficeIntegration.PowerPointInfo">
+  <Version>Version1</Version>
+  <RequiresSignIn>False</RequiresSignIn>
+</EsriMapsInfo>
+</file>
+
+<file path=customXml/item3.xml><?xml version="1.0" encoding="utf-8"?>
+<EsriMapsInfo xmlns="ESRI.ArcGIS.Mapping.OfficeIntegration.PowerPointInfo">
+  <Version>Version1</Version>
+  <RequiresSignIn>False</RequiresSignIn>
+</EsriMapsInfo>
+</file>
+
 <file path=customXml/itemProps1.xml><?xml version="1.0" encoding="utf-8"?>
-<ds:datastoreItem xmlns:ds="http://schemas.openxmlformats.org/officeDocument/2006/customXml" ds:itemID="{95DE5C01-0651-4C65-ACE3-19E0E9EA9A8C}">
+<ds:datastoreItem xmlns:ds="http://schemas.openxmlformats.org/officeDocument/2006/customXml" ds:itemID="{E2ADA427-610F-4708-BDCA-12CDF4C9CEDD}">
+  <ds:schemaRefs>
+    <ds:schemaRef ds:uri="ESRI.ArcGIS.Mapping.OfficeIntegration.PowerPointInfo"/>
+  </ds:schemaRefs>
+</ds:datastoreItem>
+</file>
+
+<file path=customXml/itemProps2.xml><?xml version="1.0" encoding="utf-8"?>
+<ds:datastoreItem xmlns:ds="http://schemas.openxmlformats.org/officeDocument/2006/customXml" ds:itemID="{4058814A-2A73-4B9F-94DD-2E1B5FCDD472}">
+  <ds:schemaRefs>
+    <ds:schemaRef ds:uri="ESRI.ArcGIS.Mapping.OfficeIntegration.PowerPointInfo"/>
+  </ds:schemaRefs>
+</ds:datastoreItem>
+</file>
+
+<file path=customXml/itemProps3.xml><?xml version="1.0" encoding="utf-8"?>
+<ds:datastoreItem xmlns:ds="http://schemas.openxmlformats.org/officeDocument/2006/customXml" ds:itemID="{78462CFF-C02B-41C9-8F34-C794AE146F27}">
   <ds:schemaRefs>
     <ds:schemaRef ds:uri="ESRI.ArcGIS.Mapping.OfficeIntegration.PowerPointInfo"/>
   </ds:schemaRefs>

--- a/slides/GED_Python_Workgroup_2018_01_23.pptx
+++ b/slides/GED_Python_Workgroup_2018_01_23.pptx
@@ -6,7 +6,8 @@
   </p:sldMasterIdLst>
   <p:sldIdLst>
     <p:sldId id="256" r:id="rId5"/>
-    <p:sldId id="258" r:id="rId6"/>
+    <p:sldId id="259" r:id="rId6"/>
+    <p:sldId id="258" r:id="rId7"/>
   </p:sldIdLst>
   <p:sldSz cx="12192000" cy="6858000"/>
   <p:notesSz cx="6858000" cy="9144000"/>
@@ -253,7 +254,7 @@
           <a:p>
             <a:fld id="{008BD8B9-5B15-4C0C-9B4A-FA7DA058E908}" type="datetimeFigureOut">
               <a:rPr lang="en-US" smtClean="0"/>
-              <a:t>1/19/2018</a:t>
+              <a:t>1/25/2018</a:t>
             </a:fld>
             <a:endParaRPr lang="en-US"/>
           </a:p>
@@ -421,7 +422,7 @@
           <a:p>
             <a:fld id="{008BD8B9-5B15-4C0C-9B4A-FA7DA058E908}" type="datetimeFigureOut">
               <a:rPr lang="en-US" smtClean="0"/>
-              <a:t>1/19/2018</a:t>
+              <a:t>1/25/2018</a:t>
             </a:fld>
             <a:endParaRPr lang="en-US"/>
           </a:p>
@@ -599,7 +600,7 @@
           <a:p>
             <a:fld id="{008BD8B9-5B15-4C0C-9B4A-FA7DA058E908}" type="datetimeFigureOut">
               <a:rPr lang="en-US" smtClean="0"/>
-              <a:t>1/19/2018</a:t>
+              <a:t>1/25/2018</a:t>
             </a:fld>
             <a:endParaRPr lang="en-US"/>
           </a:p>
@@ -767,7 +768,7 @@
           <a:p>
             <a:fld id="{008BD8B9-5B15-4C0C-9B4A-FA7DA058E908}" type="datetimeFigureOut">
               <a:rPr lang="en-US" smtClean="0"/>
-              <a:t>1/19/2018</a:t>
+              <a:t>1/25/2018</a:t>
             </a:fld>
             <a:endParaRPr lang="en-US"/>
           </a:p>
@@ -1012,7 +1013,7 @@
           <a:p>
             <a:fld id="{008BD8B9-5B15-4C0C-9B4A-FA7DA058E908}" type="datetimeFigureOut">
               <a:rPr lang="en-US" smtClean="0"/>
-              <a:t>1/19/2018</a:t>
+              <a:t>1/25/2018</a:t>
             </a:fld>
             <a:endParaRPr lang="en-US"/>
           </a:p>
@@ -1241,7 +1242,7 @@
           <a:p>
             <a:fld id="{008BD8B9-5B15-4C0C-9B4A-FA7DA058E908}" type="datetimeFigureOut">
               <a:rPr lang="en-US" smtClean="0"/>
-              <a:t>1/19/2018</a:t>
+              <a:t>1/25/2018</a:t>
             </a:fld>
             <a:endParaRPr lang="en-US"/>
           </a:p>
@@ -1605,7 +1606,7 @@
           <a:p>
             <a:fld id="{008BD8B9-5B15-4C0C-9B4A-FA7DA058E908}" type="datetimeFigureOut">
               <a:rPr lang="en-US" smtClean="0"/>
-              <a:t>1/19/2018</a:t>
+              <a:t>1/25/2018</a:t>
             </a:fld>
             <a:endParaRPr lang="en-US"/>
           </a:p>
@@ -1722,7 +1723,7 @@
           <a:p>
             <a:fld id="{008BD8B9-5B15-4C0C-9B4A-FA7DA058E908}" type="datetimeFigureOut">
               <a:rPr lang="en-US" smtClean="0"/>
-              <a:t>1/19/2018</a:t>
+              <a:t>1/25/2018</a:t>
             </a:fld>
             <a:endParaRPr lang="en-US"/>
           </a:p>
@@ -1817,7 +1818,7 @@
           <a:p>
             <a:fld id="{008BD8B9-5B15-4C0C-9B4A-FA7DA058E908}" type="datetimeFigureOut">
               <a:rPr lang="en-US" smtClean="0"/>
-              <a:t>1/19/2018</a:t>
+              <a:t>1/25/2018</a:t>
             </a:fld>
             <a:endParaRPr lang="en-US"/>
           </a:p>
@@ -2092,7 +2093,7 @@
           <a:p>
             <a:fld id="{008BD8B9-5B15-4C0C-9B4A-FA7DA058E908}" type="datetimeFigureOut">
               <a:rPr lang="en-US" smtClean="0"/>
-              <a:t>1/19/2018</a:t>
+              <a:t>1/25/2018</a:t>
             </a:fld>
             <a:endParaRPr lang="en-US"/>
           </a:p>
@@ -2344,7 +2345,7 @@
           <a:p>
             <a:fld id="{008BD8B9-5B15-4C0C-9B4A-FA7DA058E908}" type="datetimeFigureOut">
               <a:rPr lang="en-US" smtClean="0"/>
-              <a:t>1/19/2018</a:t>
+              <a:t>1/25/2018</a:t>
             </a:fld>
             <a:endParaRPr lang="en-US"/>
           </a:p>
@@ -2555,7 +2556,7 @@
           <a:p>
             <a:fld id="{008BD8B9-5B15-4C0C-9B4A-FA7DA058E908}" type="datetimeFigureOut">
               <a:rPr lang="en-US" smtClean="0"/>
-              <a:t>1/19/2018</a:t>
+              <a:t>1/25/2018</a:t>
             </a:fld>
             <a:endParaRPr lang="en-US"/>
           </a:p>
@@ -3028,6 +3029,122 @@
 </file>
 
 <file path=ppt/slides/slide2.xml><?xml version="1.0" encoding="utf-8"?>
+<p:sld xmlns:a="http://schemas.openxmlformats.org/drawingml/2006/main" xmlns:r="http://schemas.openxmlformats.org/officeDocument/2006/relationships" xmlns:p="http://schemas.openxmlformats.org/presentationml/2006/main">
+  <p:cSld>
+    <p:spTree>
+      <p:nvGrpSpPr>
+        <p:cNvPr id="1" name=""/>
+        <p:cNvGrpSpPr/>
+        <p:nvPr/>
+      </p:nvGrpSpPr>
+      <p:grpSpPr>
+        <a:xfrm>
+          <a:off x="0" y="0"/>
+          <a:ext cx="0" cy="0"/>
+          <a:chOff x="0" y="0"/>
+          <a:chExt cx="0" cy="0"/>
+        </a:xfrm>
+      </p:grpSpPr>
+      <p:sp>
+        <p:nvSpPr>
+          <p:cNvPr id="2" name="Title 1"/>
+          <p:cNvSpPr>
+            <a:spLocks noGrp="1"/>
+          </p:cNvSpPr>
+          <p:nvPr>
+            <p:ph type="title"/>
+          </p:nvPr>
+        </p:nvSpPr>
+        <p:spPr/>
+        <p:txBody>
+          <a:bodyPr/>
+          <a:lstStyle/>
+          <a:p>
+            <a:pPr algn="ctr"/>
+            <a:r>
+              <a:rPr lang="en-US" dirty="0" err="1"/>
+              <a:t>Jupyter</a:t>
+            </a:r>
+            <a:r>
+              <a:rPr lang="en-US" dirty="0"/>
+              <a:t> &amp; </a:t>
+            </a:r>
+            <a:r>
+              <a:rPr lang="en-US" dirty="0" err="1"/>
+              <a:t>rstudio</a:t>
+            </a:r>
+            <a:r>
+              <a:rPr lang="en-US" dirty="0"/>
+              <a:t> on</a:t>
+            </a:r>
+            <a:br>
+              <a:rPr lang="en-US" dirty="0"/>
+            </a:br>
+            <a:r>
+              <a:rPr lang="en-US" dirty="0"/>
+              <a:t>Data Analytics Environment  (AWS)</a:t>
+            </a:r>
+          </a:p>
+        </p:txBody>
+      </p:sp>
+      <p:sp>
+        <p:nvSpPr>
+          <p:cNvPr id="3" name="Content Placeholder 2"/>
+          <p:cNvSpPr>
+            <a:spLocks noGrp="1"/>
+          </p:cNvSpPr>
+          <p:nvPr>
+            <p:ph idx="1"/>
+          </p:nvPr>
+        </p:nvSpPr>
+        <p:spPr/>
+        <p:txBody>
+          <a:bodyPr/>
+          <a:lstStyle/>
+          <a:p>
+            <a:r>
+              <a:rPr lang="en-US" dirty="0"/>
+              <a:t>Check out Analytics Notebook Environment on EPA Digital Analytics Program </a:t>
+            </a:r>
+            <a:r>
+              <a:rPr lang="en-US" dirty="0" err="1">
+                <a:hlinkClick r:id="rId2"/>
+              </a:rPr>
+              <a:t>Sharepoint</a:t>
+            </a:r>
+            <a:r>
+              <a:rPr lang="en-US" dirty="0">
+                <a:hlinkClick r:id="rId2"/>
+              </a:rPr>
+              <a:t> site</a:t>
+            </a:r>
+            <a:r>
+              <a:rPr lang="en-US" dirty="0"/>
+              <a:t>.</a:t>
+            </a:r>
+          </a:p>
+          <a:p>
+            <a:endParaRPr lang="en-US" dirty="0"/>
+          </a:p>
+          <a:p>
+            <a:endParaRPr lang="en-US" dirty="0"/>
+          </a:p>
+        </p:txBody>
+      </p:sp>
+    </p:spTree>
+    <p:extLst>
+      <p:ext uri="{BB962C8B-B14F-4D97-AF65-F5344CB8AC3E}">
+        <p14:creationId xmlns:p14="http://schemas.microsoft.com/office/powerpoint/2010/main" val="3605217959"/>
+      </p:ext>
+    </p:extLst>
+  </p:cSld>
+  <p:clrMapOvr>
+    <a:masterClrMapping/>
+  </p:clrMapOvr>
+</p:sld>
+</file>
+
+<file path=ppt/slides/slide3.xml><?xml version="1.0" encoding="utf-8"?>
 <p:sld xmlns:a="http://schemas.openxmlformats.org/drawingml/2006/main" xmlns:r="http://schemas.openxmlformats.org/officeDocument/2006/relationships" xmlns:p="http://schemas.openxmlformats.org/presentationml/2006/main">
   <p:cSld>
     <p:spTree>
@@ -3508,6 +3625,14 @@
 </file>
 
 <file path=customXml/itemProps1.xml><?xml version="1.0" encoding="utf-8"?>
+<ds:datastoreItem xmlns:ds="http://schemas.openxmlformats.org/officeDocument/2006/customXml" ds:itemID="{9C9DF5B1-78F4-47DD-AFF7-25A4F4101AB3}">
+  <ds:schemaRefs>
+    <ds:schemaRef ds:uri="ESRI.ArcGIS.Mapping.OfficeIntegration.PowerPointInfo"/>
+  </ds:schemaRefs>
+</ds:datastoreItem>
+</file>
+
+<file path=customXml/itemProps2.xml><?xml version="1.0" encoding="utf-8"?>
 <ds:datastoreItem xmlns:ds="http://schemas.openxmlformats.org/officeDocument/2006/customXml" ds:itemID="{E2ADA427-610F-4708-BDCA-12CDF4C9CEDD}">
   <ds:schemaRefs>
     <ds:schemaRef ds:uri="ESRI.ArcGIS.Mapping.OfficeIntegration.PowerPointInfo"/>
@@ -3515,16 +3640,8 @@
 </ds:datastoreItem>
 </file>
 
-<file path=customXml/itemProps2.xml><?xml version="1.0" encoding="utf-8"?>
-<ds:datastoreItem xmlns:ds="http://schemas.openxmlformats.org/officeDocument/2006/customXml" ds:itemID="{4058814A-2A73-4B9F-94DD-2E1B5FCDD472}">
-  <ds:schemaRefs>
-    <ds:schemaRef ds:uri="ESRI.ArcGIS.Mapping.OfficeIntegration.PowerPointInfo"/>
-  </ds:schemaRefs>
-</ds:datastoreItem>
-</file>
-
 <file path=customXml/itemProps3.xml><?xml version="1.0" encoding="utf-8"?>
-<ds:datastoreItem xmlns:ds="http://schemas.openxmlformats.org/officeDocument/2006/customXml" ds:itemID="{78462CFF-C02B-41C9-8F34-C794AE146F27}">
+<ds:datastoreItem xmlns:ds="http://schemas.openxmlformats.org/officeDocument/2006/customXml" ds:itemID="{103BF3DF-CF43-42D9-85F2-166EFC8D522A}">
   <ds:schemaRefs>
     <ds:schemaRef ds:uri="ESRI.ArcGIS.Mapping.OfficeIntegration.PowerPointInfo"/>
   </ds:schemaRefs>
